--- a/PowerPoint Presentation/DMDD_Group4_Project_MovieTicketBooking.pptx
+++ b/PowerPoint Presentation/DMDD_Group4_Project_MovieTicketBooking.pptx
@@ -5,7 +5,7 @@
     <p:sldMasterId id="2147483744" r:id="rId1"/>
   </p:sldMasterIdLst>
   <p:notesMasterIdLst>
-    <p:notesMasterId r:id="rId26"/>
+    <p:notesMasterId r:id="rId27"/>
   </p:notesMasterIdLst>
   <p:sldIdLst>
     <p:sldId id="256" r:id="rId2"/>
@@ -31,7 +31,8 @@
     <p:sldId id="268" r:id="rId22"/>
     <p:sldId id="269" r:id="rId23"/>
     <p:sldId id="270" r:id="rId24"/>
-    <p:sldId id="271" r:id="rId25"/>
+    <p:sldId id="282" r:id="rId25"/>
+    <p:sldId id="271" r:id="rId26"/>
   </p:sldIdLst>
   <p:sldSz cx="12192000" cy="6858000"/>
   <p:notesSz cx="6858000" cy="9144000"/>
@@ -22244,6 +22245,173 @@
           <p:cNvPr id="2" name="Title 1">
             <a:extLst>
               <a:ext uri="{FF2B5EF4-FFF2-40B4-BE49-F238E27FC236}">
+                <a16:creationId xmlns:a16="http://schemas.microsoft.com/office/drawing/2014/main" id="{98BCED16-31F4-44AE-AB66-5F8B472F6424}"/>
+              </a:ext>
+            </a:extLst>
+          </p:cNvPr>
+          <p:cNvSpPr>
+            <a:spLocks noGrp="1"/>
+          </p:cNvSpPr>
+          <p:nvPr>
+            <p:ph type="title"/>
+          </p:nvPr>
+        </p:nvSpPr>
+        <p:spPr>
+          <a:xfrm>
+            <a:off x="275368" y="279716"/>
+            <a:ext cx="10058400" cy="1119316"/>
+          </a:xfrm>
+        </p:spPr>
+        <p:txBody>
+          <a:bodyPr>
+            <a:normAutofit/>
+          </a:bodyPr>
+          <a:lstStyle/>
+          <a:p>
+            <a:r>
+              <a:rPr lang="en-US" sz="3600" dirty="0"/>
+              <a:t>Required Links</a:t>
+            </a:r>
+          </a:p>
+        </p:txBody>
+      </p:sp>
+      <p:sp>
+        <p:nvSpPr>
+          <p:cNvPr id="3" name="Content Placeholder 2">
+            <a:extLst>
+              <a:ext uri="{FF2B5EF4-FFF2-40B4-BE49-F238E27FC236}">
+                <a16:creationId xmlns:a16="http://schemas.microsoft.com/office/drawing/2014/main" id="{098F742A-515B-4FBA-9785-E955B152F2EA}"/>
+              </a:ext>
+            </a:extLst>
+          </p:cNvPr>
+          <p:cNvSpPr>
+            <a:spLocks noGrp="1"/>
+          </p:cNvSpPr>
+          <p:nvPr>
+            <p:ph idx="1"/>
+          </p:nvPr>
+        </p:nvSpPr>
+        <p:spPr>
+          <a:xfrm>
+            <a:off x="826958" y="1716675"/>
+            <a:ext cx="10058400" cy="4050792"/>
+          </a:xfrm>
+        </p:spPr>
+        <p:txBody>
+          <a:bodyPr/>
+          <a:lstStyle/>
+          <a:p>
+            <a:pPr marL="0" indent="0">
+              <a:buNone/>
+            </a:pPr>
+            <a:r>
+              <a:rPr lang="en-US" dirty="0" err="1"/>
+              <a:t>Github</a:t>
+            </a:r>
+            <a:r>
+              <a:rPr lang="en-US" dirty="0"/>
+              <a:t>:-</a:t>
+            </a:r>
+          </a:p>
+          <a:p>
+            <a:pPr marL="274320" lvl="1" indent="0">
+              <a:buNone/>
+            </a:pPr>
+            <a:r>
+              <a:rPr lang="en-US" b="0" i="0" u="none" strike="noStrike" dirty="0">
+                <a:solidFill>
+                  <a:srgbClr val="0070C0"/>
+                </a:solidFill>
+                <a:effectLst/>
+                <a:latin typeface="Segoe UI" panose="020B0502040204020203" pitchFamily="34" charset="0"/>
+                <a:hlinkClick r:id="rId2" tooltip="https://github.com/desaikun1996/dmdd_movieticketbookingsystem/">
+                  <a:extLst>
+                    <a:ext uri="{A12FA001-AC4F-418D-AE19-62706E023703}">
+                      <ahyp:hlinkClr xmlns:ahyp="http://schemas.microsoft.com/office/drawing/2018/hyperlinkcolor" val="tx"/>
+                    </a:ext>
+                  </a:extLst>
+                </a:hlinkClick>
+              </a:rPr>
+              <a:t>https://github.com/desaikun1996/DMDD_MovieTicketBookingSystem/</a:t>
+            </a:r>
+            <a:endParaRPr lang="en-US" dirty="0">
+              <a:solidFill>
+                <a:srgbClr val="0070C0"/>
+              </a:solidFill>
+              <a:latin typeface="Segoe UI" panose="020B0502040204020203" pitchFamily="34" charset="0"/>
+            </a:endParaRPr>
+          </a:p>
+          <a:p>
+            <a:pPr marL="274320" lvl="1" indent="0">
+              <a:buNone/>
+            </a:pPr>
+            <a:endParaRPr lang="en-US" sz="2000" dirty="0">
+              <a:solidFill>
+                <a:srgbClr val="0070C0"/>
+              </a:solidFill>
+              <a:latin typeface="Segoe UI" panose="020B0502040204020203" pitchFamily="34" charset="0"/>
+            </a:endParaRPr>
+          </a:p>
+          <a:p>
+            <a:pPr marL="0" indent="0">
+              <a:buNone/>
+            </a:pPr>
+            <a:r>
+              <a:rPr lang="en-US" dirty="0"/>
+              <a:t>Website for Details:-</a:t>
+            </a:r>
+          </a:p>
+          <a:p>
+            <a:pPr marL="0" indent="0">
+              <a:buNone/>
+            </a:pPr>
+            <a:r>
+              <a:rPr lang="en-US" sz="1800" dirty="0">
+                <a:solidFill>
+                  <a:srgbClr val="0070C0"/>
+                </a:solidFill>
+                <a:latin typeface="Segoe UI" panose="020B0502040204020203" pitchFamily="34" charset="0"/>
+              </a:rPr>
+              <a:t>    https://sites.google.com/view/movieticketbookingsystem/</a:t>
+            </a:r>
+          </a:p>
+        </p:txBody>
+      </p:sp>
+    </p:spTree>
+    <p:extLst>
+      <p:ext uri="{BB962C8B-B14F-4D97-AF65-F5344CB8AC3E}">
+        <p14:creationId xmlns:p14="http://schemas.microsoft.com/office/powerpoint/2010/main" val="2822555292"/>
+      </p:ext>
+    </p:extLst>
+  </p:cSld>
+  <p:clrMapOvr>
+    <a:masterClrMapping/>
+  </p:clrMapOvr>
+</p:sld>
+</file>
+
+<file path=ppt/slides/slide25.xml><?xml version="1.0" encoding="utf-8"?>
+<p:sld xmlns:a="http://schemas.openxmlformats.org/drawingml/2006/main" xmlns:r="http://schemas.openxmlformats.org/officeDocument/2006/relationships" xmlns:p="http://schemas.openxmlformats.org/presentationml/2006/main">
+  <p:cSld>
+    <p:spTree>
+      <p:nvGrpSpPr>
+        <p:cNvPr id="1" name=""/>
+        <p:cNvGrpSpPr/>
+        <p:nvPr/>
+      </p:nvGrpSpPr>
+      <p:grpSpPr>
+        <a:xfrm>
+          <a:off x="0" y="0"/>
+          <a:ext cx="0" cy="0"/>
+          <a:chOff x="0" y="0"/>
+          <a:chExt cx="0" cy="0"/>
+        </a:xfrm>
+      </p:grpSpPr>
+      <p:sp>
+        <p:nvSpPr>
+          <p:cNvPr id="2" name="Title 1">
+            <a:extLst>
+              <a:ext uri="{FF2B5EF4-FFF2-40B4-BE49-F238E27FC236}">
                 <a16:creationId xmlns:a16="http://schemas.microsoft.com/office/drawing/2014/main" id="{FA07276E-0135-6D48-828D-0D743B957469}"/>
               </a:ext>
             </a:extLst>
